--- a/asp/unit-1/5_aspnet_page_life_cycle.pptx
+++ b/asp/unit-1/5_aspnet_page_life_cycle.pptx
@@ -9,12 +9,13 @@
     <p:sldId id="268" r:id="rId3"/>
     <p:sldId id="269" r:id="rId4"/>
     <p:sldId id="270" r:id="rId5"/>
-    <p:sldId id="271" r:id="rId6"/>
-    <p:sldId id="272" r:id="rId7"/>
-    <p:sldId id="273" r:id="rId8"/>
-    <p:sldId id="274" r:id="rId9"/>
-    <p:sldId id="275" r:id="rId10"/>
-    <p:sldId id="267" r:id="rId11"/>
+    <p:sldId id="276" r:id="rId6"/>
+    <p:sldId id="271" r:id="rId7"/>
+    <p:sldId id="272" r:id="rId8"/>
+    <p:sldId id="273" r:id="rId9"/>
+    <p:sldId id="274" r:id="rId10"/>
+    <p:sldId id="275" r:id="rId11"/>
+    <p:sldId id="267" r:id="rId12"/>
   </p:sldIdLst>
   <p:sldSz cx="12192000" cy="6858000"/>
   <p:notesSz cx="6858000" cy="9144000"/>
@@ -3007,7 +3008,15 @@
                   <a:srgbClr val="002060"/>
                 </a:solidFill>
               </a:rPr>
-              <a:t>Application and Page Life </a:t>
+              <a:t>Application Life Cycle </a:t>
+            </a:r>
+            <a:r>
+              <a:rPr lang="en-US" dirty="0" smtClean="0">
+                <a:solidFill>
+                  <a:srgbClr val="002060"/>
+                </a:solidFill>
+              </a:rPr>
+              <a:t>and Page Life </a:t>
             </a:r>
             <a:r>
               <a:rPr lang="en-US" dirty="0">
@@ -3145,6 +3154,450 @@
             <a:spLocks noGrp="1"/>
           </p:cNvSpPr>
           <p:nvPr>
+            <p:ph type="title"/>
+          </p:nvPr>
+        </p:nvSpPr>
+        <p:spPr/>
+        <p:txBody>
+          <a:bodyPr/>
+          <a:lstStyle/>
+          <a:p>
+            <a:r>
+              <a:rPr lang="en-US" dirty="0">
+                <a:solidFill>
+                  <a:srgbClr val="002060"/>
+                </a:solidFill>
+              </a:rPr>
+              <a:t>ASP.NET Page Life Cycle Events</a:t>
+            </a:r>
+          </a:p>
+        </p:txBody>
+      </p:sp>
+      <p:sp>
+        <p:nvSpPr>
+          <p:cNvPr id="5" name="Content Placeholder 4"/>
+          <p:cNvSpPr>
+            <a:spLocks noGrp="1"/>
+          </p:cNvSpPr>
+          <p:nvPr>
+            <p:ph idx="1"/>
+          </p:nvPr>
+        </p:nvSpPr>
+        <p:spPr>
+          <a:xfrm>
+            <a:off x="838200" y="1825624"/>
+            <a:ext cx="10515600" cy="5032375"/>
+          </a:xfrm>
+        </p:spPr>
+        <p:txBody>
+          <a:bodyPr>
+            <a:normAutofit fontScale="92500" lnSpcReduction="20000"/>
+          </a:bodyPr>
+          <a:lstStyle/>
+          <a:p>
+            <a:r>
+              <a:rPr lang="en-US" dirty="0" err="1">
+                <a:solidFill>
+                  <a:schemeClr val="accent5">
+                    <a:lumMod val="50000"/>
+                  </a:schemeClr>
+                </a:solidFill>
+              </a:rPr>
+              <a:t>PreRender</a:t>
+            </a:r>
+            <a:r>
+              <a:rPr lang="en-US" dirty="0">
+                <a:solidFill>
+                  <a:schemeClr val="accent5">
+                    <a:lumMod val="50000"/>
+                  </a:schemeClr>
+                </a:solidFill>
+              </a:rPr>
+              <a:t> - </a:t>
+            </a:r>
+            <a:r>
+              <a:rPr lang="en-US" dirty="0">
+                <a:solidFill>
+                  <a:schemeClr val="accent4">
+                    <a:lumMod val="75000"/>
+                  </a:schemeClr>
+                </a:solidFill>
+              </a:rPr>
+              <a:t>The </a:t>
+            </a:r>
+            <a:r>
+              <a:rPr lang="en-US" dirty="0" err="1">
+                <a:solidFill>
+                  <a:schemeClr val="accent4">
+                    <a:lumMod val="75000"/>
+                  </a:schemeClr>
+                </a:solidFill>
+              </a:rPr>
+              <a:t>PreRender</a:t>
+            </a:r>
+            <a:r>
+              <a:rPr lang="en-US" dirty="0">
+                <a:solidFill>
+                  <a:schemeClr val="accent4">
+                    <a:lumMod val="75000"/>
+                  </a:schemeClr>
+                </a:solidFill>
+              </a:rPr>
+              <a:t> event occurs just before the output is rendered. By handling this event, pages and controls can perform any updates before the output is rendered.</a:t>
+            </a:r>
+          </a:p>
+          <a:p>
+            <a:r>
+              <a:rPr lang="en-US" dirty="0" err="1" smtClean="0">
+                <a:solidFill>
+                  <a:schemeClr val="accent5">
+                    <a:lumMod val="50000"/>
+                  </a:schemeClr>
+                </a:solidFill>
+              </a:rPr>
+              <a:t>PreRenderComplete</a:t>
+            </a:r>
+            <a:r>
+              <a:rPr lang="en-US" dirty="0" smtClean="0">
+                <a:solidFill>
+                  <a:schemeClr val="accent5">
+                    <a:lumMod val="50000"/>
+                  </a:schemeClr>
+                </a:solidFill>
+              </a:rPr>
+              <a:t> </a:t>
+            </a:r>
+            <a:r>
+              <a:rPr lang="en-US" dirty="0">
+                <a:solidFill>
+                  <a:schemeClr val="accent5">
+                    <a:lumMod val="50000"/>
+                  </a:schemeClr>
+                </a:solidFill>
+              </a:rPr>
+              <a:t>- </a:t>
+            </a:r>
+            <a:r>
+              <a:rPr lang="en-US" dirty="0">
+                <a:solidFill>
+                  <a:schemeClr val="accent4">
+                    <a:lumMod val="75000"/>
+                  </a:schemeClr>
+                </a:solidFill>
+              </a:rPr>
+              <a:t>As the </a:t>
+            </a:r>
+            <a:r>
+              <a:rPr lang="en-US" dirty="0" err="1">
+                <a:solidFill>
+                  <a:schemeClr val="accent4">
+                    <a:lumMod val="75000"/>
+                  </a:schemeClr>
+                </a:solidFill>
+              </a:rPr>
+              <a:t>PreRender</a:t>
+            </a:r>
+            <a:r>
+              <a:rPr lang="en-US" dirty="0">
+                <a:solidFill>
+                  <a:schemeClr val="accent4">
+                    <a:lumMod val="75000"/>
+                  </a:schemeClr>
+                </a:solidFill>
+              </a:rPr>
+              <a:t> event is recursively fired for all child controls, this event ensures the completion of the pre-rendering phase.</a:t>
+            </a:r>
+          </a:p>
+          <a:p>
+            <a:r>
+              <a:rPr lang="en-US" dirty="0" err="1" smtClean="0">
+                <a:solidFill>
+                  <a:schemeClr val="accent5">
+                    <a:lumMod val="50000"/>
+                  </a:schemeClr>
+                </a:solidFill>
+              </a:rPr>
+              <a:t>SaveStateComplete</a:t>
+            </a:r>
+            <a:r>
+              <a:rPr lang="en-US" dirty="0" smtClean="0">
+                <a:solidFill>
+                  <a:schemeClr val="accent5">
+                    <a:lumMod val="50000"/>
+                  </a:schemeClr>
+                </a:solidFill>
+              </a:rPr>
+              <a:t> </a:t>
+            </a:r>
+            <a:r>
+              <a:rPr lang="en-US" dirty="0">
+                <a:solidFill>
+                  <a:schemeClr val="accent5">
+                    <a:lumMod val="50000"/>
+                  </a:schemeClr>
+                </a:solidFill>
+              </a:rPr>
+              <a:t>- </a:t>
+            </a:r>
+            <a:r>
+              <a:rPr lang="en-US" dirty="0">
+                <a:solidFill>
+                  <a:schemeClr val="accent4">
+                    <a:lumMod val="75000"/>
+                  </a:schemeClr>
+                </a:solidFill>
+              </a:rPr>
+              <a:t>State of control on the page is saved. Personalization, control state and view state information is saved. The HTML markup is generated. This stage can be handled by overriding the Render method or creating a </a:t>
+            </a:r>
+            <a:r>
+              <a:rPr lang="en-US" dirty="0" err="1">
+                <a:solidFill>
+                  <a:schemeClr val="accent4">
+                    <a:lumMod val="75000"/>
+                  </a:schemeClr>
+                </a:solidFill>
+              </a:rPr>
+              <a:t>Page_Render</a:t>
+            </a:r>
+            <a:r>
+              <a:rPr lang="en-US" dirty="0">
+                <a:solidFill>
+                  <a:schemeClr val="accent4">
+                    <a:lumMod val="75000"/>
+                  </a:schemeClr>
+                </a:solidFill>
+              </a:rPr>
+              <a:t> handler.</a:t>
+            </a:r>
+          </a:p>
+          <a:p>
+            <a:r>
+              <a:rPr lang="en-US" dirty="0" err="1" smtClean="0">
+                <a:solidFill>
+                  <a:schemeClr val="accent5">
+                    <a:lumMod val="50000"/>
+                  </a:schemeClr>
+                </a:solidFill>
+              </a:rPr>
+              <a:t>UnLoad</a:t>
+            </a:r>
+            <a:r>
+              <a:rPr lang="en-US" dirty="0" smtClean="0">
+                <a:solidFill>
+                  <a:schemeClr val="accent5">
+                    <a:lumMod val="50000"/>
+                  </a:schemeClr>
+                </a:solidFill>
+              </a:rPr>
+              <a:t> </a:t>
+            </a:r>
+            <a:r>
+              <a:rPr lang="en-US" dirty="0">
+                <a:solidFill>
+                  <a:schemeClr val="accent5">
+                    <a:lumMod val="50000"/>
+                  </a:schemeClr>
+                </a:solidFill>
+              </a:rPr>
+              <a:t>- </a:t>
+            </a:r>
+            <a:r>
+              <a:rPr lang="en-US" dirty="0">
+                <a:solidFill>
+                  <a:schemeClr val="accent4">
+                    <a:lumMod val="75000"/>
+                  </a:schemeClr>
+                </a:solidFill>
+              </a:rPr>
+              <a:t>The </a:t>
+            </a:r>
+            <a:r>
+              <a:rPr lang="en-US" dirty="0" err="1">
+                <a:solidFill>
+                  <a:schemeClr val="accent4">
+                    <a:lumMod val="75000"/>
+                  </a:schemeClr>
+                </a:solidFill>
+              </a:rPr>
+              <a:t>UnLoad</a:t>
+            </a:r>
+            <a:r>
+              <a:rPr lang="en-US" dirty="0">
+                <a:solidFill>
+                  <a:schemeClr val="accent4">
+                    <a:lumMod val="75000"/>
+                  </a:schemeClr>
+                </a:solidFill>
+              </a:rPr>
+              <a:t> phase is the last phase of the page life cycle. It raises the </a:t>
+            </a:r>
+            <a:r>
+              <a:rPr lang="en-US" dirty="0" err="1">
+                <a:solidFill>
+                  <a:schemeClr val="accent4">
+                    <a:lumMod val="75000"/>
+                  </a:schemeClr>
+                </a:solidFill>
+              </a:rPr>
+              <a:t>UnLoad</a:t>
+            </a:r>
+            <a:r>
+              <a:rPr lang="en-US" dirty="0">
+                <a:solidFill>
+                  <a:schemeClr val="accent4">
+                    <a:lumMod val="75000"/>
+                  </a:schemeClr>
+                </a:solidFill>
+              </a:rPr>
+              <a:t> event for all controls recursively and lastly for the page itself. Final cleanup is done and all resources and references, such as database connections, are freed. This event can be handled by modifying the </a:t>
+            </a:r>
+            <a:r>
+              <a:rPr lang="en-US" dirty="0" err="1">
+                <a:solidFill>
+                  <a:schemeClr val="accent4">
+                    <a:lumMod val="75000"/>
+                  </a:schemeClr>
+                </a:solidFill>
+              </a:rPr>
+              <a:t>OnUnLoad</a:t>
+            </a:r>
+            <a:r>
+              <a:rPr lang="en-US" dirty="0">
+                <a:solidFill>
+                  <a:schemeClr val="accent4">
+                    <a:lumMod val="75000"/>
+                  </a:schemeClr>
+                </a:solidFill>
+              </a:rPr>
+              <a:t> method or creating a </a:t>
+            </a:r>
+            <a:r>
+              <a:rPr lang="en-US" dirty="0" err="1">
+                <a:solidFill>
+                  <a:schemeClr val="accent4">
+                    <a:lumMod val="75000"/>
+                  </a:schemeClr>
+                </a:solidFill>
+              </a:rPr>
+              <a:t>Page_UnLoad</a:t>
+            </a:r>
+            <a:r>
+              <a:rPr lang="en-US" dirty="0">
+                <a:solidFill>
+                  <a:schemeClr val="accent4">
+                    <a:lumMod val="75000"/>
+                  </a:schemeClr>
+                </a:solidFill>
+              </a:rPr>
+              <a:t> handler.</a:t>
+            </a:r>
+          </a:p>
+        </p:txBody>
+      </p:sp>
+      <p:pic>
+        <p:nvPicPr>
+          <p:cNvPr id="7" name="Picture 6"/>
+          <p:cNvPicPr>
+            <a:picLocks noChangeAspect="1"/>
+          </p:cNvPicPr>
+          <p:nvPr/>
+        </p:nvPicPr>
+        <p:blipFill>
+          <a:blip r:embed="rId2" cstate="print">
+            <a:extLst>
+              <a:ext uri="{28A0092B-C50C-407E-A947-70E740481C1C}">
+                <a14:useLocalDpi xmlns:a14="http://schemas.microsoft.com/office/drawing/2010/main" val="0"/>
+              </a:ext>
+            </a:extLst>
+          </a:blip>
+          <a:stretch>
+            <a:fillRect/>
+          </a:stretch>
+        </p:blipFill>
+        <p:spPr>
+          <a:xfrm>
+            <a:off x="11191536" y="95231"/>
+            <a:ext cx="903642" cy="904076"/>
+          </a:xfrm>
+          <a:prstGeom prst="rect">
+            <a:avLst/>
+          </a:prstGeom>
+        </p:spPr>
+      </p:pic>
+      <p:pic>
+        <p:nvPicPr>
+          <p:cNvPr id="9" name="Picture 8"/>
+          <p:cNvPicPr>
+            <a:picLocks noChangeAspect="1"/>
+          </p:cNvPicPr>
+          <p:nvPr/>
+        </p:nvPicPr>
+        <p:blipFill>
+          <a:blip r:embed="rId3" cstate="print">
+            <a:extLst>
+              <a:ext uri="{28A0092B-C50C-407E-A947-70E740481C1C}">
+                <a14:useLocalDpi xmlns:a14="http://schemas.microsoft.com/office/drawing/2010/main" val="0"/>
+              </a:ext>
+            </a:extLst>
+          </a:blip>
+          <a:stretch>
+            <a:fillRect/>
+          </a:stretch>
+        </p:blipFill>
+        <p:spPr>
+          <a:xfrm>
+            <a:off x="10989545" y="5970418"/>
+            <a:ext cx="1342526" cy="1020932"/>
+          </a:xfrm>
+          <a:prstGeom prst="rect">
+            <a:avLst/>
+          </a:prstGeom>
+        </p:spPr>
+      </p:pic>
+    </p:spTree>
+    <p:extLst>
+      <p:ext uri="{BB962C8B-B14F-4D97-AF65-F5344CB8AC3E}">
+        <p14:creationId xmlns:p14="http://schemas.microsoft.com/office/powerpoint/2010/main" val="818355498"/>
+      </p:ext>
+    </p:extLst>
+  </p:cSld>
+  <p:clrMapOvr>
+    <a:masterClrMapping/>
+  </p:clrMapOvr>
+  <p:timing>
+    <p:tnLst>
+      <p:par>
+        <p:cTn id="1" dur="indefinite" restart="never" nodeType="tmRoot"/>
+      </p:par>
+    </p:tnLst>
+  </p:timing>
+</p:sld>
+</file>
+
+<file path=ppt/slides/slide11.xml><?xml version="1.0" encoding="utf-8"?>
+<p:sld xmlns:a="http://schemas.openxmlformats.org/drawingml/2006/main" xmlns:r="http://schemas.openxmlformats.org/officeDocument/2006/relationships" xmlns:p="http://schemas.openxmlformats.org/presentationml/2006/main">
+  <p:cSld>
+    <p:spTree>
+      <p:nvGrpSpPr>
+        <p:cNvPr id="1" name=""/>
+        <p:cNvGrpSpPr/>
+        <p:nvPr/>
+      </p:nvGrpSpPr>
+      <p:grpSpPr>
+        <a:xfrm>
+          <a:off x="0" y="0"/>
+          <a:ext cx="0" cy="0"/>
+          <a:chOff x="0" y="0"/>
+          <a:chExt cx="0" cy="0"/>
+        </a:xfrm>
+      </p:grpSpPr>
+      <p:sp>
+        <p:nvSpPr>
+          <p:cNvPr id="4" name="Title 3"/>
+          <p:cNvSpPr>
+            <a:spLocks noGrp="1"/>
+          </p:cNvSpPr>
+          <p:nvPr>
             <p:ph type="ctrTitle"/>
           </p:nvPr>
         </p:nvSpPr>
@@ -4106,11 +4559,158 @@
               </a:rPr>
               <a:t>ASP.NET Page Life Cycle</a:t>
             </a:r>
-            <a:endParaRPr lang="en-US" dirty="0">
-              <a:solidFill>
-                <a:srgbClr val="002060"/>
-              </a:solidFill>
-            </a:endParaRPr>
+          </a:p>
+        </p:txBody>
+      </p:sp>
+      <p:pic>
+        <p:nvPicPr>
+          <p:cNvPr id="2" name="Content Placeholder 1"/>
+          <p:cNvPicPr>
+            <a:picLocks noGrp="1" noChangeAspect="1"/>
+          </p:cNvPicPr>
+          <p:nvPr>
+            <p:ph idx="1"/>
+          </p:nvPr>
+        </p:nvPicPr>
+        <p:blipFill>
+          <a:blip r:embed="rId2">
+            <a:extLst>
+              <a:ext uri="{28A0092B-C50C-407E-A947-70E740481C1C}">
+                <a14:useLocalDpi xmlns:a14="http://schemas.microsoft.com/office/drawing/2010/main" val="0"/>
+              </a:ext>
+            </a:extLst>
+          </a:blip>
+          <a:stretch>
+            <a:fillRect/>
+          </a:stretch>
+        </p:blipFill>
+        <p:spPr>
+          <a:xfrm>
+            <a:off x="838200" y="1690688"/>
+            <a:ext cx="6132756" cy="4783076"/>
+          </a:xfrm>
+        </p:spPr>
+      </p:pic>
+      <p:pic>
+        <p:nvPicPr>
+          <p:cNvPr id="7" name="Picture 6"/>
+          <p:cNvPicPr>
+            <a:picLocks noChangeAspect="1"/>
+          </p:cNvPicPr>
+          <p:nvPr/>
+        </p:nvPicPr>
+        <p:blipFill>
+          <a:blip r:embed="rId3" cstate="print">
+            <a:extLst>
+              <a:ext uri="{28A0092B-C50C-407E-A947-70E740481C1C}">
+                <a14:useLocalDpi xmlns:a14="http://schemas.microsoft.com/office/drawing/2010/main" val="0"/>
+              </a:ext>
+            </a:extLst>
+          </a:blip>
+          <a:stretch>
+            <a:fillRect/>
+          </a:stretch>
+        </p:blipFill>
+        <p:spPr>
+          <a:xfrm>
+            <a:off x="11191536" y="95231"/>
+            <a:ext cx="903642" cy="904076"/>
+          </a:xfrm>
+          <a:prstGeom prst="rect">
+            <a:avLst/>
+          </a:prstGeom>
+        </p:spPr>
+      </p:pic>
+      <p:pic>
+        <p:nvPicPr>
+          <p:cNvPr id="9" name="Picture 8"/>
+          <p:cNvPicPr>
+            <a:picLocks noChangeAspect="1"/>
+          </p:cNvPicPr>
+          <p:nvPr/>
+        </p:nvPicPr>
+        <p:blipFill>
+          <a:blip r:embed="rId4" cstate="print">
+            <a:extLst>
+              <a:ext uri="{28A0092B-C50C-407E-A947-70E740481C1C}">
+                <a14:useLocalDpi xmlns:a14="http://schemas.microsoft.com/office/drawing/2010/main" val="0"/>
+              </a:ext>
+            </a:extLst>
+          </a:blip>
+          <a:stretch>
+            <a:fillRect/>
+          </a:stretch>
+        </p:blipFill>
+        <p:spPr>
+          <a:xfrm>
+            <a:off x="10989545" y="5970418"/>
+            <a:ext cx="1342526" cy="1020932"/>
+          </a:xfrm>
+          <a:prstGeom prst="rect">
+            <a:avLst/>
+          </a:prstGeom>
+        </p:spPr>
+      </p:pic>
+    </p:spTree>
+    <p:extLst>
+      <p:ext uri="{BB962C8B-B14F-4D97-AF65-F5344CB8AC3E}">
+        <p14:creationId xmlns:p14="http://schemas.microsoft.com/office/powerpoint/2010/main" val="4213346111"/>
+      </p:ext>
+    </p:extLst>
+  </p:cSld>
+  <p:clrMapOvr>
+    <a:masterClrMapping/>
+  </p:clrMapOvr>
+  <p:timing>
+    <p:tnLst>
+      <p:par>
+        <p:cTn id="1" dur="indefinite" restart="never" nodeType="tmRoot"/>
+      </p:par>
+    </p:tnLst>
+  </p:timing>
+</p:sld>
+</file>
+
+<file path=ppt/slides/slide5.xml><?xml version="1.0" encoding="utf-8"?>
+<p:sld xmlns:a="http://schemas.openxmlformats.org/drawingml/2006/main" xmlns:r="http://schemas.openxmlformats.org/officeDocument/2006/relationships" xmlns:p="http://schemas.openxmlformats.org/presentationml/2006/main">
+  <p:cSld>
+    <p:spTree>
+      <p:nvGrpSpPr>
+        <p:cNvPr id="1" name=""/>
+        <p:cNvGrpSpPr/>
+        <p:nvPr/>
+      </p:nvGrpSpPr>
+      <p:grpSpPr>
+        <a:xfrm>
+          <a:off x="0" y="0"/>
+          <a:ext cx="0" cy="0"/>
+          <a:chOff x="0" y="0"/>
+          <a:chExt cx="0" cy="0"/>
+        </a:xfrm>
+      </p:grpSpPr>
+      <p:sp>
+        <p:nvSpPr>
+          <p:cNvPr id="4" name="Title 3"/>
+          <p:cNvSpPr>
+            <a:spLocks noGrp="1"/>
+          </p:cNvSpPr>
+          <p:nvPr>
+            <p:ph type="title"/>
+          </p:nvPr>
+        </p:nvSpPr>
+        <p:spPr/>
+        <p:txBody>
+          <a:bodyPr/>
+          <a:lstStyle/>
+          <a:p>
+            <a:r>
+              <a:rPr lang="en-US" dirty="0">
+                <a:solidFill>
+                  <a:srgbClr val="002060"/>
+                </a:solidFill>
+              </a:rPr>
+              <a:t>ASP.NET Page Life Cycle</a:t>
+            </a:r>
           </a:p>
         </p:txBody>
       </p:sp>
@@ -4341,7 +4941,7 @@
     </p:spTree>
     <p:extLst>
       <p:ext uri="{BB962C8B-B14F-4D97-AF65-F5344CB8AC3E}">
-        <p14:creationId xmlns:p14="http://schemas.microsoft.com/office/powerpoint/2010/main" val="4213346111"/>
+        <p14:creationId xmlns:p14="http://schemas.microsoft.com/office/powerpoint/2010/main" val="875141816"/>
       </p:ext>
     </p:extLst>
   </p:cSld>
@@ -4358,7 +4958,7 @@
 </p:sld>
 </file>
 
-<file path=ppt/slides/slide5.xml><?xml version="1.0" encoding="utf-8"?>
+<file path=ppt/slides/slide6.xml><?xml version="1.0" encoding="utf-8"?>
 <p:sld xmlns:a="http://schemas.openxmlformats.org/drawingml/2006/main" xmlns:r="http://schemas.openxmlformats.org/officeDocument/2006/relationships" xmlns:p="http://schemas.openxmlformats.org/presentationml/2006/main">
   <p:cSld>
     <p:spTree>
@@ -4398,11 +4998,6 @@
               </a:rPr>
               <a:t>ASP.NET Page Life Cycle</a:t>
             </a:r>
-            <a:endParaRPr lang="en-US" dirty="0">
-              <a:solidFill>
-                <a:srgbClr val="002060"/>
-              </a:solidFill>
-            </a:endParaRPr>
           </a:p>
         </p:txBody>
       </p:sp>
@@ -4647,7 +5242,7 @@
 </p:sld>
 </file>
 
-<file path=ppt/slides/slide6.xml><?xml version="1.0" encoding="utf-8"?>
+<file path=ppt/slides/slide7.xml><?xml version="1.0" encoding="utf-8"?>
 <p:sld xmlns:a="http://schemas.openxmlformats.org/drawingml/2006/main" xmlns:r="http://schemas.openxmlformats.org/officeDocument/2006/relationships" xmlns:p="http://schemas.openxmlformats.org/presentationml/2006/main">
   <p:cSld>
     <p:spTree>
@@ -4687,11 +5282,6 @@
               </a:rPr>
               <a:t>ASP.NET Page Life Cycle</a:t>
             </a:r>
-            <a:endParaRPr lang="en-US" dirty="0">
-              <a:solidFill>
-                <a:srgbClr val="002060"/>
-              </a:solidFill>
-            </a:endParaRPr>
           </a:p>
         </p:txBody>
       </p:sp>
@@ -5090,7 +5680,7 @@
 </p:sld>
 </file>
 
-<file path=ppt/slides/slide7.xml><?xml version="1.0" encoding="utf-8"?>
+<file path=ppt/slides/slide8.xml><?xml version="1.0" encoding="utf-8"?>
 <p:sld xmlns:a="http://schemas.openxmlformats.org/drawingml/2006/main" xmlns:r="http://schemas.openxmlformats.org/officeDocument/2006/relationships" xmlns:p="http://schemas.openxmlformats.org/presentationml/2006/main">
   <p:cSld>
     <p:spTree>
@@ -5130,11 +5720,6 @@
               </a:rPr>
               <a:t>ASP.NET Page Life Cycle Events</a:t>
             </a:r>
-            <a:endParaRPr lang="en-US" dirty="0">
-              <a:solidFill>
-                <a:srgbClr val="002060"/>
-              </a:solidFill>
-            </a:endParaRPr>
           </a:p>
         </p:txBody>
       </p:sp>
@@ -5601,7 +6186,7 @@
 </p:sld>
 </file>
 
-<file path=ppt/slides/slide8.xml><?xml version="1.0" encoding="utf-8"?>
+<file path=ppt/slides/slide9.xml><?xml version="1.0" encoding="utf-8"?>
 <p:sld xmlns:a="http://schemas.openxmlformats.org/drawingml/2006/main" xmlns:r="http://schemas.openxmlformats.org/officeDocument/2006/relationships" xmlns:p="http://schemas.openxmlformats.org/presentationml/2006/main">
   <p:cSld>
     <p:spTree>
@@ -5641,11 +6226,6 @@
               </a:rPr>
               <a:t>ASP.NET Page Life Cycle Events</a:t>
             </a:r>
-            <a:endParaRPr lang="en-US" dirty="0">
-              <a:solidFill>
-                <a:srgbClr val="002060"/>
-              </a:solidFill>
-            </a:endParaRPr>
           </a:p>
         </p:txBody>
       </p:sp>
@@ -6066,455 +6646,6 @@
     <p:extLst>
       <p:ext uri="{BB962C8B-B14F-4D97-AF65-F5344CB8AC3E}">
         <p14:creationId xmlns:p14="http://schemas.microsoft.com/office/powerpoint/2010/main" val="2489438166"/>
-      </p:ext>
-    </p:extLst>
-  </p:cSld>
-  <p:clrMapOvr>
-    <a:masterClrMapping/>
-  </p:clrMapOvr>
-  <p:timing>
-    <p:tnLst>
-      <p:par>
-        <p:cTn id="1" dur="indefinite" restart="never" nodeType="tmRoot"/>
-      </p:par>
-    </p:tnLst>
-  </p:timing>
-</p:sld>
-</file>
-
-<file path=ppt/slides/slide9.xml><?xml version="1.0" encoding="utf-8"?>
-<p:sld xmlns:a="http://schemas.openxmlformats.org/drawingml/2006/main" xmlns:r="http://schemas.openxmlformats.org/officeDocument/2006/relationships" xmlns:p="http://schemas.openxmlformats.org/presentationml/2006/main">
-  <p:cSld>
-    <p:spTree>
-      <p:nvGrpSpPr>
-        <p:cNvPr id="1" name=""/>
-        <p:cNvGrpSpPr/>
-        <p:nvPr/>
-      </p:nvGrpSpPr>
-      <p:grpSpPr>
-        <a:xfrm>
-          <a:off x="0" y="0"/>
-          <a:ext cx="0" cy="0"/>
-          <a:chOff x="0" y="0"/>
-          <a:chExt cx="0" cy="0"/>
-        </a:xfrm>
-      </p:grpSpPr>
-      <p:sp>
-        <p:nvSpPr>
-          <p:cNvPr id="4" name="Title 3"/>
-          <p:cNvSpPr>
-            <a:spLocks noGrp="1"/>
-          </p:cNvSpPr>
-          <p:nvPr>
-            <p:ph type="title"/>
-          </p:nvPr>
-        </p:nvSpPr>
-        <p:spPr/>
-        <p:txBody>
-          <a:bodyPr/>
-          <a:lstStyle/>
-          <a:p>
-            <a:r>
-              <a:rPr lang="en-US" dirty="0">
-                <a:solidFill>
-                  <a:srgbClr val="002060"/>
-                </a:solidFill>
-              </a:rPr>
-              <a:t>ASP.NET Page Life Cycle Events</a:t>
-            </a:r>
-            <a:endParaRPr lang="en-US" dirty="0">
-              <a:solidFill>
-                <a:srgbClr val="002060"/>
-              </a:solidFill>
-            </a:endParaRPr>
-          </a:p>
-        </p:txBody>
-      </p:sp>
-      <p:sp>
-        <p:nvSpPr>
-          <p:cNvPr id="5" name="Content Placeholder 4"/>
-          <p:cNvSpPr>
-            <a:spLocks noGrp="1"/>
-          </p:cNvSpPr>
-          <p:nvPr>
-            <p:ph idx="1"/>
-          </p:nvPr>
-        </p:nvSpPr>
-        <p:spPr>
-          <a:xfrm>
-            <a:off x="838200" y="1825624"/>
-            <a:ext cx="10515600" cy="5032375"/>
-          </a:xfrm>
-        </p:spPr>
-        <p:txBody>
-          <a:bodyPr>
-            <a:normAutofit fontScale="92500" lnSpcReduction="20000"/>
-          </a:bodyPr>
-          <a:lstStyle/>
-          <a:p>
-            <a:r>
-              <a:rPr lang="en-US" dirty="0" err="1">
-                <a:solidFill>
-                  <a:schemeClr val="accent5">
-                    <a:lumMod val="50000"/>
-                  </a:schemeClr>
-                </a:solidFill>
-              </a:rPr>
-              <a:t>PreRender</a:t>
-            </a:r>
-            <a:r>
-              <a:rPr lang="en-US" dirty="0">
-                <a:solidFill>
-                  <a:schemeClr val="accent5">
-                    <a:lumMod val="50000"/>
-                  </a:schemeClr>
-                </a:solidFill>
-              </a:rPr>
-              <a:t> - </a:t>
-            </a:r>
-            <a:r>
-              <a:rPr lang="en-US" dirty="0">
-                <a:solidFill>
-                  <a:schemeClr val="accent4">
-                    <a:lumMod val="75000"/>
-                  </a:schemeClr>
-                </a:solidFill>
-              </a:rPr>
-              <a:t>The </a:t>
-            </a:r>
-            <a:r>
-              <a:rPr lang="en-US" dirty="0" err="1">
-                <a:solidFill>
-                  <a:schemeClr val="accent4">
-                    <a:lumMod val="75000"/>
-                  </a:schemeClr>
-                </a:solidFill>
-              </a:rPr>
-              <a:t>PreRender</a:t>
-            </a:r>
-            <a:r>
-              <a:rPr lang="en-US" dirty="0">
-                <a:solidFill>
-                  <a:schemeClr val="accent4">
-                    <a:lumMod val="75000"/>
-                  </a:schemeClr>
-                </a:solidFill>
-              </a:rPr>
-              <a:t> event occurs just before the output is rendered. By handling this event, pages and controls can perform any updates before the output is rendered.</a:t>
-            </a:r>
-          </a:p>
-          <a:p>
-            <a:r>
-              <a:rPr lang="en-US" dirty="0" err="1" smtClean="0">
-                <a:solidFill>
-                  <a:schemeClr val="accent5">
-                    <a:lumMod val="50000"/>
-                  </a:schemeClr>
-                </a:solidFill>
-              </a:rPr>
-              <a:t>PreRenderComplete</a:t>
-            </a:r>
-            <a:r>
-              <a:rPr lang="en-US" dirty="0" smtClean="0">
-                <a:solidFill>
-                  <a:schemeClr val="accent5">
-                    <a:lumMod val="50000"/>
-                  </a:schemeClr>
-                </a:solidFill>
-              </a:rPr>
-              <a:t> </a:t>
-            </a:r>
-            <a:r>
-              <a:rPr lang="en-US" dirty="0">
-                <a:solidFill>
-                  <a:schemeClr val="accent5">
-                    <a:lumMod val="50000"/>
-                  </a:schemeClr>
-                </a:solidFill>
-              </a:rPr>
-              <a:t>- </a:t>
-            </a:r>
-            <a:r>
-              <a:rPr lang="en-US" dirty="0">
-                <a:solidFill>
-                  <a:schemeClr val="accent4">
-                    <a:lumMod val="75000"/>
-                  </a:schemeClr>
-                </a:solidFill>
-              </a:rPr>
-              <a:t>As the </a:t>
-            </a:r>
-            <a:r>
-              <a:rPr lang="en-US" dirty="0" err="1">
-                <a:solidFill>
-                  <a:schemeClr val="accent4">
-                    <a:lumMod val="75000"/>
-                  </a:schemeClr>
-                </a:solidFill>
-              </a:rPr>
-              <a:t>PreRender</a:t>
-            </a:r>
-            <a:r>
-              <a:rPr lang="en-US" dirty="0">
-                <a:solidFill>
-                  <a:schemeClr val="accent4">
-                    <a:lumMod val="75000"/>
-                  </a:schemeClr>
-                </a:solidFill>
-              </a:rPr>
-              <a:t> event is recursively fired for all child controls, this event ensures the completion of the pre-rendering phase.</a:t>
-            </a:r>
-          </a:p>
-          <a:p>
-            <a:r>
-              <a:rPr lang="en-US" dirty="0" err="1" smtClean="0">
-                <a:solidFill>
-                  <a:schemeClr val="accent5">
-                    <a:lumMod val="50000"/>
-                  </a:schemeClr>
-                </a:solidFill>
-              </a:rPr>
-              <a:t>SaveStateComplete</a:t>
-            </a:r>
-            <a:r>
-              <a:rPr lang="en-US" dirty="0" smtClean="0">
-                <a:solidFill>
-                  <a:schemeClr val="accent5">
-                    <a:lumMod val="50000"/>
-                  </a:schemeClr>
-                </a:solidFill>
-              </a:rPr>
-              <a:t> </a:t>
-            </a:r>
-            <a:r>
-              <a:rPr lang="en-US" dirty="0">
-                <a:solidFill>
-                  <a:schemeClr val="accent5">
-                    <a:lumMod val="50000"/>
-                  </a:schemeClr>
-                </a:solidFill>
-              </a:rPr>
-              <a:t>- </a:t>
-            </a:r>
-            <a:r>
-              <a:rPr lang="en-US" dirty="0">
-                <a:solidFill>
-                  <a:schemeClr val="accent4">
-                    <a:lumMod val="75000"/>
-                  </a:schemeClr>
-                </a:solidFill>
-              </a:rPr>
-              <a:t>State of control on the page is saved. Personalization, control state and view state information is saved. The HTML markup is generated. This stage can be handled by overriding the Render method or creating a </a:t>
-            </a:r>
-            <a:r>
-              <a:rPr lang="en-US" dirty="0" err="1">
-                <a:solidFill>
-                  <a:schemeClr val="accent4">
-                    <a:lumMod val="75000"/>
-                  </a:schemeClr>
-                </a:solidFill>
-              </a:rPr>
-              <a:t>Page_Render</a:t>
-            </a:r>
-            <a:r>
-              <a:rPr lang="en-US" dirty="0">
-                <a:solidFill>
-                  <a:schemeClr val="accent4">
-                    <a:lumMod val="75000"/>
-                  </a:schemeClr>
-                </a:solidFill>
-              </a:rPr>
-              <a:t> handler.</a:t>
-            </a:r>
-          </a:p>
-          <a:p>
-            <a:r>
-              <a:rPr lang="en-US" dirty="0" err="1" smtClean="0">
-                <a:solidFill>
-                  <a:schemeClr val="accent5">
-                    <a:lumMod val="50000"/>
-                  </a:schemeClr>
-                </a:solidFill>
-              </a:rPr>
-              <a:t>UnLoad</a:t>
-            </a:r>
-            <a:r>
-              <a:rPr lang="en-US" dirty="0" smtClean="0">
-                <a:solidFill>
-                  <a:schemeClr val="accent5">
-                    <a:lumMod val="50000"/>
-                  </a:schemeClr>
-                </a:solidFill>
-              </a:rPr>
-              <a:t> </a:t>
-            </a:r>
-            <a:r>
-              <a:rPr lang="en-US" dirty="0">
-                <a:solidFill>
-                  <a:schemeClr val="accent5">
-                    <a:lumMod val="50000"/>
-                  </a:schemeClr>
-                </a:solidFill>
-              </a:rPr>
-              <a:t>- </a:t>
-            </a:r>
-            <a:r>
-              <a:rPr lang="en-US" dirty="0">
-                <a:solidFill>
-                  <a:schemeClr val="accent4">
-                    <a:lumMod val="75000"/>
-                  </a:schemeClr>
-                </a:solidFill>
-              </a:rPr>
-              <a:t>The </a:t>
-            </a:r>
-            <a:r>
-              <a:rPr lang="en-US" dirty="0" err="1">
-                <a:solidFill>
-                  <a:schemeClr val="accent4">
-                    <a:lumMod val="75000"/>
-                  </a:schemeClr>
-                </a:solidFill>
-              </a:rPr>
-              <a:t>UnLoad</a:t>
-            </a:r>
-            <a:r>
-              <a:rPr lang="en-US" dirty="0">
-                <a:solidFill>
-                  <a:schemeClr val="accent4">
-                    <a:lumMod val="75000"/>
-                  </a:schemeClr>
-                </a:solidFill>
-              </a:rPr>
-              <a:t> phase is the last phase of the page life cycle. It raises the </a:t>
-            </a:r>
-            <a:r>
-              <a:rPr lang="en-US" dirty="0" err="1">
-                <a:solidFill>
-                  <a:schemeClr val="accent4">
-                    <a:lumMod val="75000"/>
-                  </a:schemeClr>
-                </a:solidFill>
-              </a:rPr>
-              <a:t>UnLoad</a:t>
-            </a:r>
-            <a:r>
-              <a:rPr lang="en-US" dirty="0">
-                <a:solidFill>
-                  <a:schemeClr val="accent4">
-                    <a:lumMod val="75000"/>
-                  </a:schemeClr>
-                </a:solidFill>
-              </a:rPr>
-              <a:t> event for all controls recursively and lastly for the page itself. Final cleanup is done and all resources and references, such as database connections, are freed. This event can be handled by modifying the </a:t>
-            </a:r>
-            <a:r>
-              <a:rPr lang="en-US" dirty="0" err="1">
-                <a:solidFill>
-                  <a:schemeClr val="accent4">
-                    <a:lumMod val="75000"/>
-                  </a:schemeClr>
-                </a:solidFill>
-              </a:rPr>
-              <a:t>OnUnLoad</a:t>
-            </a:r>
-            <a:r>
-              <a:rPr lang="en-US" dirty="0">
-                <a:solidFill>
-                  <a:schemeClr val="accent4">
-                    <a:lumMod val="75000"/>
-                  </a:schemeClr>
-                </a:solidFill>
-              </a:rPr>
-              <a:t> method or creating a </a:t>
-            </a:r>
-            <a:r>
-              <a:rPr lang="en-US" dirty="0" err="1">
-                <a:solidFill>
-                  <a:schemeClr val="accent4">
-                    <a:lumMod val="75000"/>
-                  </a:schemeClr>
-                </a:solidFill>
-              </a:rPr>
-              <a:t>Page_UnLoad</a:t>
-            </a:r>
-            <a:r>
-              <a:rPr lang="en-US" dirty="0">
-                <a:solidFill>
-                  <a:schemeClr val="accent4">
-                    <a:lumMod val="75000"/>
-                  </a:schemeClr>
-                </a:solidFill>
-              </a:rPr>
-              <a:t> handler.</a:t>
-            </a:r>
-          </a:p>
-        </p:txBody>
-      </p:sp>
-      <p:pic>
-        <p:nvPicPr>
-          <p:cNvPr id="7" name="Picture 6"/>
-          <p:cNvPicPr>
-            <a:picLocks noChangeAspect="1"/>
-          </p:cNvPicPr>
-          <p:nvPr/>
-        </p:nvPicPr>
-        <p:blipFill>
-          <a:blip r:embed="rId2" cstate="print">
-            <a:extLst>
-              <a:ext uri="{28A0092B-C50C-407E-A947-70E740481C1C}">
-                <a14:useLocalDpi xmlns:a14="http://schemas.microsoft.com/office/drawing/2010/main" val="0"/>
-              </a:ext>
-            </a:extLst>
-          </a:blip>
-          <a:stretch>
-            <a:fillRect/>
-          </a:stretch>
-        </p:blipFill>
-        <p:spPr>
-          <a:xfrm>
-            <a:off x="11191536" y="95231"/>
-            <a:ext cx="903642" cy="904076"/>
-          </a:xfrm>
-          <a:prstGeom prst="rect">
-            <a:avLst/>
-          </a:prstGeom>
-        </p:spPr>
-      </p:pic>
-      <p:pic>
-        <p:nvPicPr>
-          <p:cNvPr id="9" name="Picture 8"/>
-          <p:cNvPicPr>
-            <a:picLocks noChangeAspect="1"/>
-          </p:cNvPicPr>
-          <p:nvPr/>
-        </p:nvPicPr>
-        <p:blipFill>
-          <a:blip r:embed="rId3" cstate="print">
-            <a:extLst>
-              <a:ext uri="{28A0092B-C50C-407E-A947-70E740481C1C}">
-                <a14:useLocalDpi xmlns:a14="http://schemas.microsoft.com/office/drawing/2010/main" val="0"/>
-              </a:ext>
-            </a:extLst>
-          </a:blip>
-          <a:stretch>
-            <a:fillRect/>
-          </a:stretch>
-        </p:blipFill>
-        <p:spPr>
-          <a:xfrm>
-            <a:off x="10989545" y="5970418"/>
-            <a:ext cx="1342526" cy="1020932"/>
-          </a:xfrm>
-          <a:prstGeom prst="rect">
-            <a:avLst/>
-          </a:prstGeom>
-        </p:spPr>
-      </p:pic>
-    </p:spTree>
-    <p:extLst>
-      <p:ext uri="{BB962C8B-B14F-4D97-AF65-F5344CB8AC3E}">
-        <p14:creationId xmlns:p14="http://schemas.microsoft.com/office/powerpoint/2010/main" val="818355498"/>
       </p:ext>
     </p:extLst>
   </p:cSld>
